--- a/Presentations/Air Canvas_week7.pptx
+++ b/Presentations/Air Canvas_week7.pptx
@@ -8,11 +8,12 @@
     <p:sldId id="256" r:id="rId2"/>
     <p:sldId id="257" r:id="rId3"/>
     <p:sldId id="258" r:id="rId4"/>
-    <p:sldId id="264" r:id="rId5"/>
-    <p:sldId id="260" r:id="rId6"/>
-    <p:sldId id="261" r:id="rId7"/>
-    <p:sldId id="262" r:id="rId8"/>
-    <p:sldId id="263" r:id="rId9"/>
+    <p:sldId id="265" r:id="rId5"/>
+    <p:sldId id="264" r:id="rId6"/>
+    <p:sldId id="260" r:id="rId7"/>
+    <p:sldId id="261" r:id="rId8"/>
+    <p:sldId id="262" r:id="rId9"/>
+    <p:sldId id="263" r:id="rId10"/>
   </p:sldIdLst>
   <p:sldSz cx="12192000" cy="6858000"/>
   <p:notesSz cx="6858000" cy="9144000"/>
@@ -6153,7 +6154,7 @@
           <a:p>
             <a:fld id="{655A5808-3B61-48CC-92EF-85AC2E0DFA56}" type="datetime2">
               <a:rPr lang="en-US" smtClean="0"/>
-              <a:t>Friday, March 11, 2022</a:t>
+              <a:t>Saturday, March 12, 2022</a:t>
             </a:fld>
             <a:endParaRPr lang="en-US"/>
           </a:p>
@@ -6351,7 +6352,7 @@
           <a:p>
             <a:fld id="{735E98AF-4574-4509-BF7A-519ACD5BF826}" type="datetime2">
               <a:rPr lang="en-US" smtClean="0"/>
-              <a:t>Friday, March 11, 2022</a:t>
+              <a:t>Saturday, March 12, 2022</a:t>
             </a:fld>
             <a:endParaRPr lang="en-US"/>
           </a:p>
@@ -6561,7 +6562,7 @@
           <a:p>
             <a:fld id="{93DD97D4-9636-490F-85D0-E926C2B6F3B1}" type="datetime2">
               <a:rPr lang="en-US" smtClean="0"/>
-              <a:t>Friday, March 11, 2022</a:t>
+              <a:t>Saturday, March 12, 2022</a:t>
             </a:fld>
             <a:endParaRPr lang="en-US"/>
           </a:p>
@@ -6760,7 +6761,7 @@
           <a:p>
             <a:fld id="{2F3AF3C6-0FD4-4939-991C-00DDE5C56815}" type="datetime2">
               <a:rPr lang="en-US" smtClean="0"/>
-              <a:t>Friday, March 11, 2022</a:t>
+              <a:t>Saturday, March 12, 2022</a:t>
             </a:fld>
             <a:endParaRPr lang="en-US"/>
           </a:p>
@@ -7041,7 +7042,7 @@
           <a:p>
             <a:fld id="{86807482-8128-47C6-A8DD-6452B0291CFF}" type="datetime2">
               <a:rPr lang="en-US" smtClean="0"/>
-              <a:t>Friday, March 11, 2022</a:t>
+              <a:t>Saturday, March 12, 2022</a:t>
             </a:fld>
             <a:endParaRPr lang="en-US"/>
           </a:p>
@@ -7309,7 +7310,7 @@
           <a:p>
             <a:fld id="{37903F25-275E-41DE-BE3B-EBF0DB49F9B1}" type="datetime2">
               <a:rPr lang="en-US" smtClean="0"/>
-              <a:t>Friday, March 11, 2022</a:t>
+              <a:t>Saturday, March 12, 2022</a:t>
             </a:fld>
             <a:endParaRPr lang="en-US"/>
           </a:p>
@@ -7690,7 +7691,7 @@
           <a:p>
             <a:fld id="{EE475572-4A44-4171-84AA-64D42C8050A6}" type="datetime2">
               <a:rPr lang="en-US" smtClean="0"/>
-              <a:t>Friday, March 11, 2022</a:t>
+              <a:t>Saturday, March 12, 2022</a:t>
             </a:fld>
             <a:endParaRPr lang="en-US"/>
           </a:p>
@@ -7860,7 +7861,7 @@
           <a:p>
             <a:fld id="{C4C1612E-528E-4FD5-9E9E-E15F1108F171}" type="datetime2">
               <a:rPr lang="en-US" smtClean="0"/>
-              <a:t>Friday, March 11, 2022</a:t>
+              <a:t>Saturday, March 12, 2022</a:t>
             </a:fld>
             <a:endParaRPr lang="en-US"/>
           </a:p>
@@ -7973,7 +7974,7 @@
           <a:p>
             <a:fld id="{D4F6D862-A06D-436F-A92E-EBAAD50B6E50}" type="datetime2">
               <a:rPr lang="en-US" smtClean="0"/>
-              <a:t>Friday, March 11, 2022</a:t>
+              <a:t>Saturday, March 12, 2022</a:t>
             </a:fld>
             <a:endParaRPr lang="en-US"/>
           </a:p>
@@ -8290,7 +8291,7 @@
           <a:p>
             <a:fld id="{B73E0B7D-2260-4809-8F0A-9E5F3E24F169}" type="datetime2">
               <a:rPr lang="en-US" smtClean="0"/>
-              <a:t>Friday, March 11, 2022</a:t>
+              <a:t>Saturday, March 12, 2022</a:t>
             </a:fld>
             <a:endParaRPr lang="en-US"/>
           </a:p>
@@ -8582,7 +8583,7 @@
           <a:p>
             <a:fld id="{3C8E4735-C637-46A3-94EB-AB3AC4188D2F}" type="datetime2">
               <a:rPr lang="en-US" smtClean="0"/>
-              <a:t>Friday, March 11, 2022</a:t>
+              <a:t>Saturday, March 12, 2022</a:t>
             </a:fld>
             <a:endParaRPr lang="en-US"/>
           </a:p>
@@ -8950,7 +8951,7 @@
             <a:fld id="{AE0C963C-C1DB-4AFD-9DDC-0691666BF49B}" type="datetime2">
               <a:rPr lang="en-US" smtClean="0"/>
               <a:pPr/>
-              <a:t>Friday, March 11, 2022</a:t>
+              <a:t>Saturday, March 12, 2022</a:t>
             </a:fld>
             <a:endParaRPr lang="en-US" cap="all" dirty="0"/>
           </a:p>
@@ -11004,6 +11005,99 @@
           <p:cNvPr id="2" name="Title 1">
             <a:extLst>
               <a:ext uri="{FF2B5EF4-FFF2-40B4-BE49-F238E27FC236}">
+                <a16:creationId xmlns:a16="http://schemas.microsoft.com/office/drawing/2014/main" id="{D4457107-8F53-4449-9E35-5BF0EBF4369A}"/>
+              </a:ext>
+            </a:extLst>
+          </p:cNvPr>
+          <p:cNvSpPr>
+            <a:spLocks noGrp="1"/>
+          </p:cNvSpPr>
+          <p:nvPr>
+            <p:ph type="title"/>
+          </p:nvPr>
+        </p:nvSpPr>
+        <p:spPr>
+          <a:xfrm>
+            <a:off x="1257300" y="309753"/>
+            <a:ext cx="10241280" cy="1234440"/>
+          </a:xfrm>
+        </p:spPr>
+        <p:txBody>
+          <a:bodyPr/>
+          <a:lstStyle/>
+          <a:p>
+            <a:r>
+              <a:rPr lang="en-US" dirty="0"/>
+              <a:t>Masking</a:t>
+            </a:r>
+            <a:endParaRPr lang="en-IN" dirty="0"/>
+          </a:p>
+        </p:txBody>
+      </p:sp>
+      <p:pic>
+        <p:nvPicPr>
+          <p:cNvPr id="5" name="Content Placeholder 4">
+            <a:extLst>
+              <a:ext uri="{FF2B5EF4-FFF2-40B4-BE49-F238E27FC236}">
+                <a16:creationId xmlns:a16="http://schemas.microsoft.com/office/drawing/2014/main" id="{B78DC614-9BE3-4DBF-857E-2195704BC9AB}"/>
+              </a:ext>
+            </a:extLst>
+          </p:cNvPr>
+          <p:cNvPicPr>
+            <a:picLocks noGrp="1" noChangeAspect="1"/>
+          </p:cNvPicPr>
+          <p:nvPr>
+            <p:ph idx="1"/>
+          </p:nvPr>
+        </p:nvPicPr>
+        <p:blipFill>
+          <a:blip r:embed="rId2"/>
+          <a:stretch>
+            <a:fillRect/>
+          </a:stretch>
+        </p:blipFill>
+        <p:spPr>
+          <a:xfrm>
+            <a:off x="2602404" y="2112963"/>
+            <a:ext cx="7779355" cy="3959225"/>
+          </a:xfrm>
+        </p:spPr>
+      </p:pic>
+    </p:spTree>
+    <p:extLst>
+      <p:ext uri="{BB962C8B-B14F-4D97-AF65-F5344CB8AC3E}">
+        <p14:creationId xmlns:p14="http://schemas.microsoft.com/office/powerpoint/2010/main" val="2374499136"/>
+      </p:ext>
+    </p:extLst>
+  </p:cSld>
+  <p:clrMapOvr>
+    <a:masterClrMapping/>
+  </p:clrMapOvr>
+</p:sld>
+</file>
+
+<file path=ppt/slides/slide5.xml><?xml version="1.0" encoding="utf-8"?>
+<p:sld xmlns:a="http://schemas.openxmlformats.org/drawingml/2006/main" xmlns:r="http://schemas.openxmlformats.org/officeDocument/2006/relationships" xmlns:p="http://schemas.openxmlformats.org/presentationml/2006/main">
+  <p:cSld>
+    <p:spTree>
+      <p:nvGrpSpPr>
+        <p:cNvPr id="1" name=""/>
+        <p:cNvGrpSpPr/>
+        <p:nvPr/>
+      </p:nvGrpSpPr>
+      <p:grpSpPr>
+        <a:xfrm>
+          <a:off x="0" y="0"/>
+          <a:ext cx="0" cy="0"/>
+          <a:chOff x="0" y="0"/>
+          <a:chExt cx="0" cy="0"/>
+        </a:xfrm>
+      </p:grpSpPr>
+      <p:sp>
+        <p:nvSpPr>
+          <p:cNvPr id="2" name="Title 1">
+            <a:extLst>
+              <a:ext uri="{FF2B5EF4-FFF2-40B4-BE49-F238E27FC236}">
                 <a16:creationId xmlns:a16="http://schemas.microsoft.com/office/drawing/2014/main" id="{971C4781-6C4C-40E1-851F-D164BEAFA4F9}"/>
               </a:ext>
             </a:extLst>
@@ -11142,7 +11236,7 @@
 </p:sld>
 </file>
 
-<file path=ppt/slides/slide5.xml><?xml version="1.0" encoding="utf-8"?>
+<file path=ppt/slides/slide6.xml><?xml version="1.0" encoding="utf-8"?>
 <p:sld xmlns:a="http://schemas.openxmlformats.org/drawingml/2006/main" xmlns:r="http://schemas.openxmlformats.org/officeDocument/2006/relationships" xmlns:p="http://schemas.openxmlformats.org/presentationml/2006/main">
   <p:cSld>
     <p:bg>
@@ -11718,7 +11812,7 @@
 </p:sld>
 </file>
 
-<file path=ppt/slides/slide6.xml><?xml version="1.0" encoding="utf-8"?>
+<file path=ppt/slides/slide7.xml><?xml version="1.0" encoding="utf-8"?>
 <p:sld xmlns:a="http://schemas.openxmlformats.org/drawingml/2006/main" xmlns:r="http://schemas.openxmlformats.org/officeDocument/2006/relationships" xmlns:p="http://schemas.openxmlformats.org/presentationml/2006/main">
   <p:cSld>
     <p:bg>
@@ -12320,7 +12414,7 @@
 </p:sld>
 </file>
 
-<file path=ppt/slides/slide7.xml><?xml version="1.0" encoding="utf-8"?>
+<file path=ppt/slides/slide8.xml><?xml version="1.0" encoding="utf-8"?>
 <p:sld xmlns:a="http://schemas.openxmlformats.org/drawingml/2006/main" xmlns:r="http://schemas.openxmlformats.org/officeDocument/2006/relationships" xmlns:p="http://schemas.openxmlformats.org/presentationml/2006/main">
   <p:cSld>
     <p:bg>
@@ -12913,7 +13007,7 @@
 </p:sld>
 </file>
 
-<file path=ppt/slides/slide8.xml><?xml version="1.0" encoding="utf-8"?>
+<file path=ppt/slides/slide9.xml><?xml version="1.0" encoding="utf-8"?>
 <p:sld xmlns:a="http://schemas.openxmlformats.org/drawingml/2006/main" xmlns:r="http://schemas.openxmlformats.org/officeDocument/2006/relationships" xmlns:p="http://schemas.openxmlformats.org/presentationml/2006/main">
   <p:cSld>
     <p:bg>
